--- a/lesson11_利用循环画出复杂的图形.pptx
+++ b/lesson11_利用循环画出复杂的图形.pptx
@@ -13,6 +13,9 @@
     <p:sldId id="264" r:id="rId7"/>
     <p:sldId id="265" r:id="rId8"/>
     <p:sldId id="266" r:id="rId9"/>
+    <p:sldId id="267" r:id="rId10"/>
+    <p:sldId id="268" r:id="rId11"/>
+    <p:sldId id="269" r:id="rId12"/>
   </p:sldIdLst>
   <p:sldSz cx="12192000" cy="6858000"/>
   <p:notesSz cx="6858000" cy="9144000"/>
@@ -266,7 +269,7 @@
           <a:p>
             <a:fld id="{1CC2806B-8005-4C2D-AD48-C15DFC3CDA57}" type="datetimeFigureOut">
               <a:rPr lang="zh-CN" altLang="en-US" smtClean="0"/>
-              <a:t>2022/12/9</a:t>
+              <a:t>2022/12/13</a:t>
             </a:fld>
             <a:endParaRPr lang="zh-CN" altLang="en-US"/>
           </a:p>
@@ -464,7 +467,7 @@
           <a:p>
             <a:fld id="{1CC2806B-8005-4C2D-AD48-C15DFC3CDA57}" type="datetimeFigureOut">
               <a:rPr lang="zh-CN" altLang="en-US" smtClean="0"/>
-              <a:t>2022/12/9</a:t>
+              <a:t>2022/12/13</a:t>
             </a:fld>
             <a:endParaRPr lang="zh-CN" altLang="en-US"/>
           </a:p>
@@ -672,7 +675,7 @@
           <a:p>
             <a:fld id="{1CC2806B-8005-4C2D-AD48-C15DFC3CDA57}" type="datetimeFigureOut">
               <a:rPr lang="zh-CN" altLang="en-US" smtClean="0"/>
-              <a:t>2022/12/9</a:t>
+              <a:t>2022/12/13</a:t>
             </a:fld>
             <a:endParaRPr lang="zh-CN" altLang="en-US"/>
           </a:p>
@@ -870,7 +873,7 @@
           <a:p>
             <a:fld id="{1CC2806B-8005-4C2D-AD48-C15DFC3CDA57}" type="datetimeFigureOut">
               <a:rPr lang="zh-CN" altLang="en-US" smtClean="0"/>
-              <a:t>2022/12/9</a:t>
+              <a:t>2022/12/13</a:t>
             </a:fld>
             <a:endParaRPr lang="zh-CN" altLang="en-US"/>
           </a:p>
@@ -1145,7 +1148,7 @@
           <a:p>
             <a:fld id="{1CC2806B-8005-4C2D-AD48-C15DFC3CDA57}" type="datetimeFigureOut">
               <a:rPr lang="zh-CN" altLang="en-US" smtClean="0"/>
-              <a:t>2022/12/9</a:t>
+              <a:t>2022/12/13</a:t>
             </a:fld>
             <a:endParaRPr lang="zh-CN" altLang="en-US"/>
           </a:p>
@@ -1410,7 +1413,7 @@
           <a:p>
             <a:fld id="{1CC2806B-8005-4C2D-AD48-C15DFC3CDA57}" type="datetimeFigureOut">
               <a:rPr lang="zh-CN" altLang="en-US" smtClean="0"/>
-              <a:t>2022/12/9</a:t>
+              <a:t>2022/12/13</a:t>
             </a:fld>
             <a:endParaRPr lang="zh-CN" altLang="en-US"/>
           </a:p>
@@ -1822,7 +1825,7 @@
           <a:p>
             <a:fld id="{1CC2806B-8005-4C2D-AD48-C15DFC3CDA57}" type="datetimeFigureOut">
               <a:rPr lang="zh-CN" altLang="en-US" smtClean="0"/>
-              <a:t>2022/12/9</a:t>
+              <a:t>2022/12/13</a:t>
             </a:fld>
             <a:endParaRPr lang="zh-CN" altLang="en-US"/>
           </a:p>
@@ -1963,7 +1966,7 @@
           <a:p>
             <a:fld id="{1CC2806B-8005-4C2D-AD48-C15DFC3CDA57}" type="datetimeFigureOut">
               <a:rPr lang="zh-CN" altLang="en-US" smtClean="0"/>
-              <a:t>2022/12/9</a:t>
+              <a:t>2022/12/13</a:t>
             </a:fld>
             <a:endParaRPr lang="zh-CN" altLang="en-US"/>
           </a:p>
@@ -2076,7 +2079,7 @@
           <a:p>
             <a:fld id="{1CC2806B-8005-4C2D-AD48-C15DFC3CDA57}" type="datetimeFigureOut">
               <a:rPr lang="zh-CN" altLang="en-US" smtClean="0"/>
-              <a:t>2022/12/9</a:t>
+              <a:t>2022/12/13</a:t>
             </a:fld>
             <a:endParaRPr lang="zh-CN" altLang="en-US"/>
           </a:p>
@@ -2387,7 +2390,7 @@
           <a:p>
             <a:fld id="{1CC2806B-8005-4C2D-AD48-C15DFC3CDA57}" type="datetimeFigureOut">
               <a:rPr lang="zh-CN" altLang="en-US" smtClean="0"/>
-              <a:t>2022/12/9</a:t>
+              <a:t>2022/12/13</a:t>
             </a:fld>
             <a:endParaRPr lang="zh-CN" altLang="en-US"/>
           </a:p>
@@ -2675,7 +2678,7 @@
           <a:p>
             <a:fld id="{1CC2806B-8005-4C2D-AD48-C15DFC3CDA57}" type="datetimeFigureOut">
               <a:rPr lang="zh-CN" altLang="en-US" smtClean="0"/>
-              <a:t>2022/12/9</a:t>
+              <a:t>2022/12/13</a:t>
             </a:fld>
             <a:endParaRPr lang="zh-CN" altLang="en-US"/>
           </a:p>
@@ -2916,7 +2919,7 @@
           <a:p>
             <a:fld id="{1CC2806B-8005-4C2D-AD48-C15DFC3CDA57}" type="datetimeFigureOut">
               <a:rPr lang="zh-CN" altLang="en-US" smtClean="0"/>
-              <a:t>2022/12/9</a:t>
+              <a:t>2022/12/13</a:t>
             </a:fld>
             <a:endParaRPr lang="zh-CN" altLang="en-US"/>
           </a:p>
@@ -3374,6 +3377,299 @@
 </p:sld>
 </file>
 
+<file path=ppt/slides/slide10.xml><?xml version="1.0" encoding="utf-8"?>
+<p:sld xmlns:a="http://schemas.openxmlformats.org/drawingml/2006/main" xmlns:r="http://schemas.openxmlformats.org/officeDocument/2006/relationships" xmlns:p="http://schemas.openxmlformats.org/presentationml/2006/main">
+  <p:cSld>
+    <p:spTree>
+      <p:nvGrpSpPr>
+        <p:cNvPr id="1" name=""/>
+        <p:cNvGrpSpPr/>
+        <p:nvPr/>
+      </p:nvGrpSpPr>
+      <p:grpSpPr>
+        <a:xfrm>
+          <a:off x="0" y="0"/>
+          <a:ext cx="0" cy="0"/>
+          <a:chOff x="0" y="0"/>
+          <a:chExt cx="0" cy="0"/>
+        </a:xfrm>
+      </p:grpSpPr>
+      <p:sp>
+        <p:nvSpPr>
+          <p:cNvPr id="2" name="标题 1">
+            <a:extLst>
+              <a:ext uri="{FF2B5EF4-FFF2-40B4-BE49-F238E27FC236}">
+                <a16:creationId xmlns:a16="http://schemas.microsoft.com/office/drawing/2014/main" id="{9A86A071-73E4-0565-5E39-5F26DF2B20B1}"/>
+              </a:ext>
+            </a:extLst>
+          </p:cNvPr>
+          <p:cNvSpPr>
+            <a:spLocks noGrp="1"/>
+          </p:cNvSpPr>
+          <p:nvPr>
+            <p:ph type="title"/>
+          </p:nvPr>
+        </p:nvSpPr>
+        <p:spPr/>
+        <p:txBody>
+          <a:bodyPr/>
+          <a:lstStyle/>
+          <a:p>
+            <a:r>
+              <a:rPr lang="zh-CN" altLang="en-US" dirty="0"/>
+              <a:t>画</a:t>
+            </a:r>
+            <a:r>
+              <a:rPr lang="en-US" altLang="zh-CN" dirty="0"/>
+              <a:t>N</a:t>
+            </a:r>
+            <a:r>
+              <a:rPr lang="zh-CN" altLang="en-US" dirty="0"/>
+              <a:t>角星，</a:t>
+            </a:r>
+            <a:r>
+              <a:rPr lang="en-US" altLang="zh-CN" dirty="0"/>
+              <a:t>N</a:t>
+            </a:r>
+            <a:r>
+              <a:rPr lang="zh-CN" altLang="en-US" dirty="0"/>
+              <a:t>为奇数</a:t>
+            </a:r>
+          </a:p>
+        </p:txBody>
+      </p:sp>
+      <p:pic>
+        <p:nvPicPr>
+          <p:cNvPr id="4" name="图片 3">
+            <a:extLst>
+              <a:ext uri="{FF2B5EF4-FFF2-40B4-BE49-F238E27FC236}">
+                <a16:creationId xmlns:a16="http://schemas.microsoft.com/office/drawing/2014/main" id="{5D5103F7-1883-31D0-A039-844BF4E08916}"/>
+              </a:ext>
+            </a:extLst>
+          </p:cNvPr>
+          <p:cNvPicPr>
+            <a:picLocks noChangeAspect="1"/>
+          </p:cNvPicPr>
+          <p:nvPr/>
+        </p:nvPicPr>
+        <p:blipFill>
+          <a:blip r:embed="rId2"/>
+          <a:stretch>
+            <a:fillRect/>
+          </a:stretch>
+        </p:blipFill>
+        <p:spPr>
+          <a:xfrm>
+            <a:off x="709659" y="2738021"/>
+            <a:ext cx="3848100" cy="3352800"/>
+          </a:xfrm>
+          <a:prstGeom prst="rect">
+            <a:avLst/>
+          </a:prstGeom>
+        </p:spPr>
+      </p:pic>
+      <p:sp>
+        <p:nvSpPr>
+          <p:cNvPr id="5" name="文本框 4">
+            <a:extLst>
+              <a:ext uri="{FF2B5EF4-FFF2-40B4-BE49-F238E27FC236}">
+                <a16:creationId xmlns:a16="http://schemas.microsoft.com/office/drawing/2014/main" id="{797EB126-7C75-B95F-B1E7-31F7953B5B48}"/>
+              </a:ext>
+            </a:extLst>
+          </p:cNvPr>
+          <p:cNvSpPr txBox="1"/>
+          <p:nvPr/>
+        </p:nvSpPr>
+        <p:spPr>
+          <a:xfrm>
+            <a:off x="941034" y="1908699"/>
+            <a:ext cx="875561" cy="369332"/>
+          </a:xfrm>
+          <a:prstGeom prst="rect">
+            <a:avLst/>
+          </a:prstGeom>
+          <a:noFill/>
+        </p:spPr>
+        <p:txBody>
+          <a:bodyPr wrap="none" rtlCol="0">
+            <a:spAutoFit/>
+          </a:bodyPr>
+          <a:lstStyle/>
+          <a:p>
+            <a:r>
+              <a:rPr lang="en-US" altLang="zh-CN" dirty="0"/>
+              <a:t>N = 21</a:t>
+            </a:r>
+            <a:endParaRPr lang="zh-CN" altLang="en-US" dirty="0"/>
+          </a:p>
+        </p:txBody>
+      </p:sp>
+    </p:spTree>
+    <p:extLst>
+      <p:ext uri="{BB962C8B-B14F-4D97-AF65-F5344CB8AC3E}">
+        <p14:creationId xmlns:p14="http://schemas.microsoft.com/office/powerpoint/2010/main" val="2843758943"/>
+      </p:ext>
+    </p:extLst>
+  </p:cSld>
+  <p:clrMapOvr>
+    <a:masterClrMapping/>
+  </p:clrMapOvr>
+</p:sld>
+</file>
+
+<file path=ppt/slides/slide11.xml><?xml version="1.0" encoding="utf-8"?>
+<p:sld xmlns:a="http://schemas.openxmlformats.org/drawingml/2006/main" xmlns:r="http://schemas.openxmlformats.org/officeDocument/2006/relationships" xmlns:p="http://schemas.openxmlformats.org/presentationml/2006/main">
+  <p:cSld>
+    <p:spTree>
+      <p:nvGrpSpPr>
+        <p:cNvPr id="1" name=""/>
+        <p:cNvGrpSpPr/>
+        <p:nvPr/>
+      </p:nvGrpSpPr>
+      <p:grpSpPr>
+        <a:xfrm>
+          <a:off x="0" y="0"/>
+          <a:ext cx="0" cy="0"/>
+          <a:chOff x="0" y="0"/>
+          <a:chExt cx="0" cy="0"/>
+        </a:xfrm>
+      </p:grpSpPr>
+      <p:sp>
+        <p:nvSpPr>
+          <p:cNvPr id="3" name="内容占位符 2">
+            <a:extLst>
+              <a:ext uri="{FF2B5EF4-FFF2-40B4-BE49-F238E27FC236}">
+                <a16:creationId xmlns:a16="http://schemas.microsoft.com/office/drawing/2014/main" id="{BD62CD83-E998-223B-279F-1B7DDC1C7321}"/>
+              </a:ext>
+            </a:extLst>
+          </p:cNvPr>
+          <p:cNvSpPr>
+            <a:spLocks noGrp="1"/>
+          </p:cNvSpPr>
+          <p:nvPr>
+            <p:ph idx="1"/>
+          </p:nvPr>
+        </p:nvSpPr>
+        <p:spPr>
+          <a:xfrm>
+            <a:off x="642892" y="849081"/>
+            <a:ext cx="10515600" cy="4351338"/>
+          </a:xfrm>
+        </p:spPr>
+        <p:txBody>
+          <a:bodyPr>
+            <a:normAutofit fontScale="85000" lnSpcReduction="20000"/>
+          </a:bodyPr>
+          <a:lstStyle/>
+          <a:p>
+            <a:pPr marL="0" indent="0">
+              <a:buNone/>
+            </a:pPr>
+            <a:r>
+              <a:rPr lang="af-ZA" altLang="zh-CN" dirty="0"/>
+              <a:t>import turtle</a:t>
+            </a:r>
+          </a:p>
+          <a:p>
+            <a:pPr marL="0" indent="0">
+              <a:buNone/>
+            </a:pPr>
+            <a:r>
+              <a:rPr lang="af-ZA" altLang="zh-CN" dirty="0"/>
+              <a:t>turtle.bgcolor('#FFC0CB')</a:t>
+            </a:r>
+          </a:p>
+          <a:p>
+            <a:pPr marL="0" indent="0">
+              <a:buNone/>
+            </a:pPr>
+            <a:r>
+              <a:rPr lang="af-ZA" altLang="zh-CN" dirty="0"/>
+              <a:t>turtle.pencolor('red')</a:t>
+            </a:r>
+          </a:p>
+          <a:p>
+            <a:pPr marL="0" indent="0">
+              <a:buNone/>
+            </a:pPr>
+            <a:r>
+              <a:rPr lang="af-ZA" altLang="zh-CN" dirty="0"/>
+              <a:t>N = 5</a:t>
+            </a:r>
+          </a:p>
+          <a:p>
+            <a:pPr marL="0" indent="0">
+              <a:buNone/>
+            </a:pPr>
+            <a:r>
+              <a:rPr lang="af-ZA" altLang="zh-CN" dirty="0"/>
+              <a:t>angle = 180 / N</a:t>
+            </a:r>
+          </a:p>
+          <a:p>
+            <a:pPr marL="0" indent="0">
+              <a:buNone/>
+            </a:pPr>
+            <a:endParaRPr lang="af-ZA" altLang="zh-CN" dirty="0"/>
+          </a:p>
+          <a:p>
+            <a:pPr marL="0" indent="0">
+              <a:buNone/>
+            </a:pPr>
+            <a:r>
+              <a:rPr lang="af-ZA" altLang="zh-CN" dirty="0"/>
+              <a:t>for n in range(N):</a:t>
+            </a:r>
+          </a:p>
+          <a:p>
+            <a:pPr marL="0" indent="0">
+              <a:buNone/>
+            </a:pPr>
+            <a:r>
+              <a:rPr lang="af-ZA" altLang="zh-CN" dirty="0"/>
+              <a:t>    turtle.forward(300)</a:t>
+            </a:r>
+          </a:p>
+          <a:p>
+            <a:pPr marL="0" indent="0">
+              <a:buNone/>
+            </a:pPr>
+            <a:r>
+              <a:rPr lang="af-ZA" altLang="zh-CN" dirty="0"/>
+              <a:t>    turtle.right(180 - angle)</a:t>
+            </a:r>
+          </a:p>
+          <a:p>
+            <a:pPr marL="0" indent="0">
+              <a:buNone/>
+            </a:pPr>
+            <a:endParaRPr lang="af-ZA" altLang="zh-CN" dirty="0"/>
+          </a:p>
+          <a:p>
+            <a:pPr marL="0" indent="0">
+              <a:buNone/>
+            </a:pPr>
+            <a:r>
+              <a:rPr lang="af-ZA" altLang="zh-CN" dirty="0"/>
+              <a:t>turtle.done()</a:t>
+            </a:r>
+            <a:endParaRPr lang="zh-CN" altLang="en-US" dirty="0"/>
+          </a:p>
+        </p:txBody>
+      </p:sp>
+    </p:spTree>
+    <p:extLst>
+      <p:ext uri="{BB962C8B-B14F-4D97-AF65-F5344CB8AC3E}">
+        <p14:creationId xmlns:p14="http://schemas.microsoft.com/office/powerpoint/2010/main" val="3464871358"/>
+      </p:ext>
+    </p:extLst>
+  </p:cSld>
+  <p:clrMapOvr>
+    <a:masterClrMapping/>
+  </p:clrMapOvr>
+</p:sld>
+</file>
+
 <file path=ppt/slides/slide2.xml><?xml version="1.0" encoding="utf-8"?>
 <p:sld xmlns:a="http://schemas.openxmlformats.org/drawingml/2006/main" xmlns:r="http://schemas.openxmlformats.org/officeDocument/2006/relationships" xmlns:p="http://schemas.openxmlformats.org/presentationml/2006/main">
   <p:cSld>
@@ -4336,6 +4632,100 @@
     <p:extLst>
       <p:ext uri="{BB962C8B-B14F-4D97-AF65-F5344CB8AC3E}">
         <p14:creationId xmlns:p14="http://schemas.microsoft.com/office/powerpoint/2010/main" val="3103537701"/>
+      </p:ext>
+    </p:extLst>
+  </p:cSld>
+  <p:clrMapOvr>
+    <a:masterClrMapping/>
+  </p:clrMapOvr>
+</p:sld>
+</file>
+
+<file path=ppt/slides/slide9.xml><?xml version="1.0" encoding="utf-8"?>
+<p:sld xmlns:a="http://schemas.openxmlformats.org/drawingml/2006/main" xmlns:r="http://schemas.openxmlformats.org/officeDocument/2006/relationships" xmlns:p="http://schemas.openxmlformats.org/presentationml/2006/main">
+  <p:cSld>
+    <p:spTree>
+      <p:nvGrpSpPr>
+        <p:cNvPr id="1" name=""/>
+        <p:cNvGrpSpPr/>
+        <p:nvPr/>
+      </p:nvGrpSpPr>
+      <p:grpSpPr>
+        <a:xfrm>
+          <a:off x="0" y="0"/>
+          <a:ext cx="0" cy="0"/>
+          <a:chOff x="0" y="0"/>
+          <a:chExt cx="0" cy="0"/>
+        </a:xfrm>
+      </p:grpSpPr>
+      <p:sp>
+        <p:nvSpPr>
+          <p:cNvPr id="2" name="标题 1">
+            <a:extLst>
+              <a:ext uri="{FF2B5EF4-FFF2-40B4-BE49-F238E27FC236}">
+                <a16:creationId xmlns:a16="http://schemas.microsoft.com/office/drawing/2014/main" id="{9A86A071-73E4-0565-5E39-5F26DF2B20B1}"/>
+              </a:ext>
+            </a:extLst>
+          </p:cNvPr>
+          <p:cNvSpPr>
+            <a:spLocks noGrp="1"/>
+          </p:cNvSpPr>
+          <p:nvPr>
+            <p:ph type="title"/>
+          </p:nvPr>
+        </p:nvSpPr>
+        <p:spPr/>
+        <p:txBody>
+          <a:bodyPr/>
+          <a:lstStyle/>
+          <a:p>
+            <a:r>
+              <a:rPr lang="zh-CN" altLang="en-US" dirty="0"/>
+              <a:t>画五角星</a:t>
+            </a:r>
+          </a:p>
+        </p:txBody>
+      </p:sp>
+      <p:pic>
+        <p:nvPicPr>
+          <p:cNvPr id="8" name="图片 7">
+            <a:extLst>
+              <a:ext uri="{FF2B5EF4-FFF2-40B4-BE49-F238E27FC236}">
+                <a16:creationId xmlns:a16="http://schemas.microsoft.com/office/drawing/2014/main" id="{6D2A37A8-C186-B7A7-B350-545A710F6B74}"/>
+              </a:ext>
+            </a:extLst>
+          </p:cNvPr>
+          <p:cNvPicPr>
+            <a:picLocks noChangeAspect="1"/>
+          </p:cNvPicPr>
+          <p:nvPr/>
+        </p:nvPicPr>
+        <p:blipFill>
+          <a:blip r:embed="rId2">
+            <a:extLst>
+              <a:ext uri="{28A0092B-C50C-407E-A947-70E740481C1C}">
+                <a14:useLocalDpi xmlns:a14="http://schemas.microsoft.com/office/drawing/2010/main" val="0"/>
+              </a:ext>
+            </a:extLst>
+          </a:blip>
+          <a:stretch>
+            <a:fillRect/>
+          </a:stretch>
+        </p:blipFill>
+        <p:spPr>
+          <a:xfrm>
+            <a:off x="465152" y="1875133"/>
+            <a:ext cx="3982006" cy="3267531"/>
+          </a:xfrm>
+          <a:prstGeom prst="rect">
+            <a:avLst/>
+          </a:prstGeom>
+        </p:spPr>
+      </p:pic>
+    </p:spTree>
+    <p:extLst>
+      <p:ext uri="{BB962C8B-B14F-4D97-AF65-F5344CB8AC3E}">
+        <p14:creationId xmlns:p14="http://schemas.microsoft.com/office/powerpoint/2010/main" val="1392382185"/>
       </p:ext>
     </p:extLst>
   </p:cSld>
